--- a/Life course of CompSoc Project.pptx
+++ b/Life course of CompSoc Project.pptx
@@ -23535,7 +23535,7 @@
               <a:rPr lang="en-US" sz="1200" dirty="0">
                 <a:latin typeface="Bell MT" panose="02020503060305020303" pitchFamily="18" charset="0"/>
               </a:rPr>
-              <a:t>*Data excerpts are not verbatim for word for privacy reasons; they are heavily modified versions represent the kind of language used in these interviews with individuals about their depression experiences</a:t>
+              <a:t>*Data excerpts are not verbatim for privacy reasons; they are heavily modified versions represent the kind of language used in these interviews with individuals about their depression experiences</a:t>
             </a:r>
           </a:p>
         </p:txBody>
